--- a/ppt 16-9/0650.彰显主爱.pptx
+++ b/ppt 16-9/0650.彰显主爱.pptx
@@ -5,7 +5,7 @@
     <p:sldMasterId id="2147483648" r:id="rId1"/>
   </p:sldMasterIdLst>
   <p:sldIdLst>
-    <p:sldId id="2451" r:id="rId2"/>
+    <p:sldId id="2453" r:id="rId2"/>
   </p:sldIdLst>
   <p:sldSz cx="12192000" cy="6858000"/>
   <p:notesSz cx="6858000" cy="9144000"/>
@@ -129,7 +129,7 @@
           <p:cNvPr id="2" name="标题 1">
             <a:extLst>
               <a:ext uri="{FF2B5EF4-FFF2-40B4-BE49-F238E27FC236}">
-                <a16:creationId xmlns:a16="http://schemas.microsoft.com/office/drawing/2014/main" id="{0BF9A7E4-1C5F-02D5-771B-F27E68B0D018}"/>
+                <a16:creationId xmlns:a16="http://schemas.microsoft.com/office/drawing/2014/main" id="{E1812A39-C1E1-39A7-6982-9FB54D8BA695}"/>
               </a:ext>
             </a:extLst>
           </p:cNvPr>
@@ -166,7 +166,7 @@
           <p:cNvPr id="3" name="副标题 2">
             <a:extLst>
               <a:ext uri="{FF2B5EF4-FFF2-40B4-BE49-F238E27FC236}">
-                <a16:creationId xmlns:a16="http://schemas.microsoft.com/office/drawing/2014/main" id="{DCC2E488-F5C2-8A8E-0C4C-8D7D42FC8B97}"/>
+                <a16:creationId xmlns:a16="http://schemas.microsoft.com/office/drawing/2014/main" id="{3B109E22-A641-AB84-2397-4CC7DBB2FC5C}"/>
               </a:ext>
             </a:extLst>
           </p:cNvPr>
@@ -236,7 +236,7 @@
           <p:cNvPr id="4" name="日期占位符 3">
             <a:extLst>
               <a:ext uri="{FF2B5EF4-FFF2-40B4-BE49-F238E27FC236}">
-                <a16:creationId xmlns:a16="http://schemas.microsoft.com/office/drawing/2014/main" id="{1D820F63-3B61-1E58-B145-4538E57A9AC9}"/>
+                <a16:creationId xmlns:a16="http://schemas.microsoft.com/office/drawing/2014/main" id="{79A32459-1903-AADF-452D-94D0034A1150}"/>
               </a:ext>
             </a:extLst>
           </p:cNvPr>
@@ -252,7 +252,7 @@
           <a:bodyPr/>
           <a:lstStyle/>
           <a:p>
-            <a:fld id="{98ED85B5-6F9A-4259-8E37-A971875B631A}" type="datetimeFigureOut">
+            <a:fld id="{3A372C1F-E061-4E5D-8A41-EFD2D5D86F17}" type="datetimeFigureOut">
               <a:rPr lang="zh-CN" altLang="en-US" smtClean="0"/>
               <a:t>2024/3/10</a:t>
             </a:fld>
@@ -265,7 +265,7 @@
           <p:cNvPr id="5" name="页脚占位符 4">
             <a:extLst>
               <a:ext uri="{FF2B5EF4-FFF2-40B4-BE49-F238E27FC236}">
-                <a16:creationId xmlns:a16="http://schemas.microsoft.com/office/drawing/2014/main" id="{8FD1CAA0-035B-7D4E-8EA0-2FF026011C4F}"/>
+                <a16:creationId xmlns:a16="http://schemas.microsoft.com/office/drawing/2014/main" id="{01C5E410-4124-7A3E-AE40-A0727DFE92C6}"/>
               </a:ext>
             </a:extLst>
           </p:cNvPr>
@@ -290,7 +290,7 @@
           <p:cNvPr id="6" name="灯片编号占位符 5">
             <a:extLst>
               <a:ext uri="{FF2B5EF4-FFF2-40B4-BE49-F238E27FC236}">
-                <a16:creationId xmlns:a16="http://schemas.microsoft.com/office/drawing/2014/main" id="{7CBE0283-1274-7611-D57F-88E1704DE36B}"/>
+                <a16:creationId xmlns:a16="http://schemas.microsoft.com/office/drawing/2014/main" id="{A89F48B8-CF37-0D5C-D906-C75C806A679C}"/>
               </a:ext>
             </a:extLst>
           </p:cNvPr>
@@ -306,7 +306,7 @@
           <a:bodyPr/>
           <a:lstStyle/>
           <a:p>
-            <a:fld id="{DC335184-E2CA-43FD-AB36-3EC35B67F87B}" type="slidenum">
+            <a:fld id="{02AD5357-B92B-4DA0-B12E-302A6C714C1B}" type="slidenum">
               <a:rPr lang="zh-CN" altLang="en-US" smtClean="0"/>
               <a:t>‹#›</a:t>
             </a:fld>
@@ -317,7 +317,7 @@
     </p:spTree>
     <p:extLst>
       <p:ext uri="{BB962C8B-B14F-4D97-AF65-F5344CB8AC3E}">
-        <p14:creationId xmlns:p14="http://schemas.microsoft.com/office/powerpoint/2010/main" val="4264335609"/>
+        <p14:creationId xmlns:p14="http://schemas.microsoft.com/office/powerpoint/2010/main" val="1045051584"/>
       </p:ext>
     </p:extLst>
   </p:cSld>
@@ -349,7 +349,7 @@
           <p:cNvPr id="2" name="标题 1">
             <a:extLst>
               <a:ext uri="{FF2B5EF4-FFF2-40B4-BE49-F238E27FC236}">
-                <a16:creationId xmlns:a16="http://schemas.microsoft.com/office/drawing/2014/main" id="{7099762C-8539-34AA-4851-19D0C1660970}"/>
+                <a16:creationId xmlns:a16="http://schemas.microsoft.com/office/drawing/2014/main" id="{CE75BA5D-2172-22B2-776B-A34922F28015}"/>
               </a:ext>
             </a:extLst>
           </p:cNvPr>
@@ -377,7 +377,7 @@
           <p:cNvPr id="3" name="竖排文字占位符 2">
             <a:extLst>
               <a:ext uri="{FF2B5EF4-FFF2-40B4-BE49-F238E27FC236}">
-                <a16:creationId xmlns:a16="http://schemas.microsoft.com/office/drawing/2014/main" id="{4DD2F2BC-19B2-1D97-0AE8-5037EBD4F142}"/>
+                <a16:creationId xmlns:a16="http://schemas.microsoft.com/office/drawing/2014/main" id="{3382E35B-C7DA-9408-60CA-AFFBC09F34AE}"/>
               </a:ext>
             </a:extLst>
           </p:cNvPr>
@@ -434,7 +434,7 @@
           <p:cNvPr id="4" name="日期占位符 3">
             <a:extLst>
               <a:ext uri="{FF2B5EF4-FFF2-40B4-BE49-F238E27FC236}">
-                <a16:creationId xmlns:a16="http://schemas.microsoft.com/office/drawing/2014/main" id="{B4402FAF-2F53-C35A-D9FA-7F64F1F9FAD7}"/>
+                <a16:creationId xmlns:a16="http://schemas.microsoft.com/office/drawing/2014/main" id="{982F6D2F-A6AB-91CF-E0FB-4BE6CD816659}"/>
               </a:ext>
             </a:extLst>
           </p:cNvPr>
@@ -450,7 +450,7 @@
           <a:bodyPr/>
           <a:lstStyle/>
           <a:p>
-            <a:fld id="{98ED85B5-6F9A-4259-8E37-A971875B631A}" type="datetimeFigureOut">
+            <a:fld id="{3A372C1F-E061-4E5D-8A41-EFD2D5D86F17}" type="datetimeFigureOut">
               <a:rPr lang="zh-CN" altLang="en-US" smtClean="0"/>
               <a:t>2024/3/10</a:t>
             </a:fld>
@@ -463,7 +463,7 @@
           <p:cNvPr id="5" name="页脚占位符 4">
             <a:extLst>
               <a:ext uri="{FF2B5EF4-FFF2-40B4-BE49-F238E27FC236}">
-                <a16:creationId xmlns:a16="http://schemas.microsoft.com/office/drawing/2014/main" id="{EEC586D1-05B2-D3CE-8032-23E6C87DC6F6}"/>
+                <a16:creationId xmlns:a16="http://schemas.microsoft.com/office/drawing/2014/main" id="{EBA12717-84C9-3080-28A1-5CB6BCE1C8CE}"/>
               </a:ext>
             </a:extLst>
           </p:cNvPr>
@@ -488,7 +488,7 @@
           <p:cNvPr id="6" name="灯片编号占位符 5">
             <a:extLst>
               <a:ext uri="{FF2B5EF4-FFF2-40B4-BE49-F238E27FC236}">
-                <a16:creationId xmlns:a16="http://schemas.microsoft.com/office/drawing/2014/main" id="{E2BE65A9-1770-C7DF-4C94-EE13A2D9BDF8}"/>
+                <a16:creationId xmlns:a16="http://schemas.microsoft.com/office/drawing/2014/main" id="{6A967FED-4B7F-1A27-82D5-223A022BE254}"/>
               </a:ext>
             </a:extLst>
           </p:cNvPr>
@@ -504,7 +504,7 @@
           <a:bodyPr/>
           <a:lstStyle/>
           <a:p>
-            <a:fld id="{DC335184-E2CA-43FD-AB36-3EC35B67F87B}" type="slidenum">
+            <a:fld id="{02AD5357-B92B-4DA0-B12E-302A6C714C1B}" type="slidenum">
               <a:rPr lang="zh-CN" altLang="en-US" smtClean="0"/>
               <a:t>‹#›</a:t>
             </a:fld>
@@ -515,7 +515,7 @@
     </p:spTree>
     <p:extLst>
       <p:ext uri="{BB962C8B-B14F-4D97-AF65-F5344CB8AC3E}">
-        <p14:creationId xmlns:p14="http://schemas.microsoft.com/office/powerpoint/2010/main" val="3259068359"/>
+        <p14:creationId xmlns:p14="http://schemas.microsoft.com/office/powerpoint/2010/main" val="1622674036"/>
       </p:ext>
     </p:extLst>
   </p:cSld>
@@ -547,7 +547,7 @@
           <p:cNvPr id="2" name="竖排标题 1">
             <a:extLst>
               <a:ext uri="{FF2B5EF4-FFF2-40B4-BE49-F238E27FC236}">
-                <a16:creationId xmlns:a16="http://schemas.microsoft.com/office/drawing/2014/main" id="{CD6B87BB-98DF-B725-B671-4E8AAA934056}"/>
+                <a16:creationId xmlns:a16="http://schemas.microsoft.com/office/drawing/2014/main" id="{D20131C2-6223-4FD5-8173-E10B3D929AA4}"/>
               </a:ext>
             </a:extLst>
           </p:cNvPr>
@@ -580,7 +580,7 @@
           <p:cNvPr id="3" name="竖排文字占位符 2">
             <a:extLst>
               <a:ext uri="{FF2B5EF4-FFF2-40B4-BE49-F238E27FC236}">
-                <a16:creationId xmlns:a16="http://schemas.microsoft.com/office/drawing/2014/main" id="{E944AE10-C987-6547-9640-1ABAA204D021}"/>
+                <a16:creationId xmlns:a16="http://schemas.microsoft.com/office/drawing/2014/main" id="{4579FCAE-190C-CB98-A28A-71E7ACBBF7B9}"/>
               </a:ext>
             </a:extLst>
           </p:cNvPr>
@@ -642,7 +642,7 @@
           <p:cNvPr id="4" name="日期占位符 3">
             <a:extLst>
               <a:ext uri="{FF2B5EF4-FFF2-40B4-BE49-F238E27FC236}">
-                <a16:creationId xmlns:a16="http://schemas.microsoft.com/office/drawing/2014/main" id="{A73CE8DC-DB81-C1FB-D598-82591AE11E29}"/>
+                <a16:creationId xmlns:a16="http://schemas.microsoft.com/office/drawing/2014/main" id="{466EF2B0-DC7F-DB2E-9BBA-1193A286C42D}"/>
               </a:ext>
             </a:extLst>
           </p:cNvPr>
@@ -658,7 +658,7 @@
           <a:bodyPr/>
           <a:lstStyle/>
           <a:p>
-            <a:fld id="{98ED85B5-6F9A-4259-8E37-A971875B631A}" type="datetimeFigureOut">
+            <a:fld id="{3A372C1F-E061-4E5D-8A41-EFD2D5D86F17}" type="datetimeFigureOut">
               <a:rPr lang="zh-CN" altLang="en-US" smtClean="0"/>
               <a:t>2024/3/10</a:t>
             </a:fld>
@@ -671,7 +671,7 @@
           <p:cNvPr id="5" name="页脚占位符 4">
             <a:extLst>
               <a:ext uri="{FF2B5EF4-FFF2-40B4-BE49-F238E27FC236}">
-                <a16:creationId xmlns:a16="http://schemas.microsoft.com/office/drawing/2014/main" id="{982E8E76-A6C5-FCB6-E356-08A262EB4249}"/>
+                <a16:creationId xmlns:a16="http://schemas.microsoft.com/office/drawing/2014/main" id="{8B5048F0-7001-C0F9-14F1-2D9444648840}"/>
               </a:ext>
             </a:extLst>
           </p:cNvPr>
@@ -696,7 +696,7 @@
           <p:cNvPr id="6" name="灯片编号占位符 5">
             <a:extLst>
               <a:ext uri="{FF2B5EF4-FFF2-40B4-BE49-F238E27FC236}">
-                <a16:creationId xmlns:a16="http://schemas.microsoft.com/office/drawing/2014/main" id="{59C81343-3DAE-4439-36E1-8E32513FBBA2}"/>
+                <a16:creationId xmlns:a16="http://schemas.microsoft.com/office/drawing/2014/main" id="{7AC14869-0E20-3699-8E40-4FCFB21531EE}"/>
               </a:ext>
             </a:extLst>
           </p:cNvPr>
@@ -712,7 +712,7 @@
           <a:bodyPr/>
           <a:lstStyle/>
           <a:p>
-            <a:fld id="{DC335184-E2CA-43FD-AB36-3EC35B67F87B}" type="slidenum">
+            <a:fld id="{02AD5357-B92B-4DA0-B12E-302A6C714C1B}" type="slidenum">
               <a:rPr lang="zh-CN" altLang="en-US" smtClean="0"/>
               <a:t>‹#›</a:t>
             </a:fld>
@@ -723,7 +723,7 @@
     </p:spTree>
     <p:extLst>
       <p:ext uri="{BB962C8B-B14F-4D97-AF65-F5344CB8AC3E}">
-        <p14:creationId xmlns:p14="http://schemas.microsoft.com/office/powerpoint/2010/main" val="2622537527"/>
+        <p14:creationId xmlns:p14="http://schemas.microsoft.com/office/powerpoint/2010/main" val="2013959656"/>
       </p:ext>
     </p:extLst>
   </p:cSld>
@@ -755,7 +755,7 @@
           <p:cNvPr id="2" name="标题 1">
             <a:extLst>
               <a:ext uri="{FF2B5EF4-FFF2-40B4-BE49-F238E27FC236}">
-                <a16:creationId xmlns:a16="http://schemas.microsoft.com/office/drawing/2014/main" id="{A1853626-FA42-0F24-A84B-29D026C142CA}"/>
+                <a16:creationId xmlns:a16="http://schemas.microsoft.com/office/drawing/2014/main" id="{84B1030A-3C24-5DA8-D7F2-7F1B6CEC7339}"/>
               </a:ext>
             </a:extLst>
           </p:cNvPr>
@@ -783,7 +783,7 @@
           <p:cNvPr id="3" name="内容占位符 2">
             <a:extLst>
               <a:ext uri="{FF2B5EF4-FFF2-40B4-BE49-F238E27FC236}">
-                <a16:creationId xmlns:a16="http://schemas.microsoft.com/office/drawing/2014/main" id="{26CA01D4-A8FF-3415-1B0B-B6A4C75C53C7}"/>
+                <a16:creationId xmlns:a16="http://schemas.microsoft.com/office/drawing/2014/main" id="{F48F981C-C570-925B-23CC-7F84A0413D73}"/>
               </a:ext>
             </a:extLst>
           </p:cNvPr>
@@ -840,7 +840,7 @@
           <p:cNvPr id="4" name="日期占位符 3">
             <a:extLst>
               <a:ext uri="{FF2B5EF4-FFF2-40B4-BE49-F238E27FC236}">
-                <a16:creationId xmlns:a16="http://schemas.microsoft.com/office/drawing/2014/main" id="{CC09068C-3DE3-A24D-AB29-EEE64CF5DC49}"/>
+                <a16:creationId xmlns:a16="http://schemas.microsoft.com/office/drawing/2014/main" id="{47AA413C-B33A-375B-F0F0-51D724A7AB77}"/>
               </a:ext>
             </a:extLst>
           </p:cNvPr>
@@ -856,7 +856,7 @@
           <a:bodyPr/>
           <a:lstStyle/>
           <a:p>
-            <a:fld id="{98ED85B5-6F9A-4259-8E37-A971875B631A}" type="datetimeFigureOut">
+            <a:fld id="{3A372C1F-E061-4E5D-8A41-EFD2D5D86F17}" type="datetimeFigureOut">
               <a:rPr lang="zh-CN" altLang="en-US" smtClean="0"/>
               <a:t>2024/3/10</a:t>
             </a:fld>
@@ -869,7 +869,7 @@
           <p:cNvPr id="5" name="页脚占位符 4">
             <a:extLst>
               <a:ext uri="{FF2B5EF4-FFF2-40B4-BE49-F238E27FC236}">
-                <a16:creationId xmlns:a16="http://schemas.microsoft.com/office/drawing/2014/main" id="{1899566E-EE40-A1C2-8A49-7597CD78FE32}"/>
+                <a16:creationId xmlns:a16="http://schemas.microsoft.com/office/drawing/2014/main" id="{7661DE3E-6FE5-AB04-F70E-E0874897E30E}"/>
               </a:ext>
             </a:extLst>
           </p:cNvPr>
@@ -894,7 +894,7 @@
           <p:cNvPr id="6" name="灯片编号占位符 5">
             <a:extLst>
               <a:ext uri="{FF2B5EF4-FFF2-40B4-BE49-F238E27FC236}">
-                <a16:creationId xmlns:a16="http://schemas.microsoft.com/office/drawing/2014/main" id="{C333FB5F-7647-33E8-EB3F-5B7848594129}"/>
+                <a16:creationId xmlns:a16="http://schemas.microsoft.com/office/drawing/2014/main" id="{F2C93F23-A052-5AC2-6069-3478716E5FAE}"/>
               </a:ext>
             </a:extLst>
           </p:cNvPr>
@@ -910,7 +910,7 @@
           <a:bodyPr/>
           <a:lstStyle/>
           <a:p>
-            <a:fld id="{DC335184-E2CA-43FD-AB36-3EC35B67F87B}" type="slidenum">
+            <a:fld id="{02AD5357-B92B-4DA0-B12E-302A6C714C1B}" type="slidenum">
               <a:rPr lang="zh-CN" altLang="en-US" smtClean="0"/>
               <a:t>‹#›</a:t>
             </a:fld>
@@ -921,7 +921,7 @@
     </p:spTree>
     <p:extLst>
       <p:ext uri="{BB962C8B-B14F-4D97-AF65-F5344CB8AC3E}">
-        <p14:creationId xmlns:p14="http://schemas.microsoft.com/office/powerpoint/2010/main" val="3199943852"/>
+        <p14:creationId xmlns:p14="http://schemas.microsoft.com/office/powerpoint/2010/main" val="3463964230"/>
       </p:ext>
     </p:extLst>
   </p:cSld>
@@ -953,7 +953,7 @@
           <p:cNvPr id="2" name="标题 1">
             <a:extLst>
               <a:ext uri="{FF2B5EF4-FFF2-40B4-BE49-F238E27FC236}">
-                <a16:creationId xmlns:a16="http://schemas.microsoft.com/office/drawing/2014/main" id="{3F9256B4-037C-2E82-B392-34F7710D53D7}"/>
+                <a16:creationId xmlns:a16="http://schemas.microsoft.com/office/drawing/2014/main" id="{93A416F9-CEA1-E052-EF52-3ED1CE89A405}"/>
               </a:ext>
             </a:extLst>
           </p:cNvPr>
@@ -990,7 +990,7 @@
           <p:cNvPr id="3" name="文本占位符 2">
             <a:extLst>
               <a:ext uri="{FF2B5EF4-FFF2-40B4-BE49-F238E27FC236}">
-                <a16:creationId xmlns:a16="http://schemas.microsoft.com/office/drawing/2014/main" id="{FC5C324A-F854-BADF-39B3-7DC05815B26E}"/>
+                <a16:creationId xmlns:a16="http://schemas.microsoft.com/office/drawing/2014/main" id="{AC0E43B4-244B-5D73-48F2-B0EEFB2E3EB0}"/>
               </a:ext>
             </a:extLst>
           </p:cNvPr>
@@ -1115,7 +1115,7 @@
           <p:cNvPr id="4" name="日期占位符 3">
             <a:extLst>
               <a:ext uri="{FF2B5EF4-FFF2-40B4-BE49-F238E27FC236}">
-                <a16:creationId xmlns:a16="http://schemas.microsoft.com/office/drawing/2014/main" id="{E303BE84-48C8-4A41-8E5E-FC359CBB534A}"/>
+                <a16:creationId xmlns:a16="http://schemas.microsoft.com/office/drawing/2014/main" id="{F8965C86-D837-5BFF-92C8-316FB7D5F014}"/>
               </a:ext>
             </a:extLst>
           </p:cNvPr>
@@ -1131,7 +1131,7 @@
           <a:bodyPr/>
           <a:lstStyle/>
           <a:p>
-            <a:fld id="{98ED85B5-6F9A-4259-8E37-A971875B631A}" type="datetimeFigureOut">
+            <a:fld id="{3A372C1F-E061-4E5D-8A41-EFD2D5D86F17}" type="datetimeFigureOut">
               <a:rPr lang="zh-CN" altLang="en-US" smtClean="0"/>
               <a:t>2024/3/10</a:t>
             </a:fld>
@@ -1144,7 +1144,7 @@
           <p:cNvPr id="5" name="页脚占位符 4">
             <a:extLst>
               <a:ext uri="{FF2B5EF4-FFF2-40B4-BE49-F238E27FC236}">
-                <a16:creationId xmlns:a16="http://schemas.microsoft.com/office/drawing/2014/main" id="{BA11A357-94BB-517C-D62D-1456793A80C2}"/>
+                <a16:creationId xmlns:a16="http://schemas.microsoft.com/office/drawing/2014/main" id="{16EFD7FE-7F46-A71F-F812-2E1079874EA3}"/>
               </a:ext>
             </a:extLst>
           </p:cNvPr>
@@ -1169,7 +1169,7 @@
           <p:cNvPr id="6" name="灯片编号占位符 5">
             <a:extLst>
               <a:ext uri="{FF2B5EF4-FFF2-40B4-BE49-F238E27FC236}">
-                <a16:creationId xmlns:a16="http://schemas.microsoft.com/office/drawing/2014/main" id="{55ABA8C0-D7C1-015B-9C44-D4325328AAA9}"/>
+                <a16:creationId xmlns:a16="http://schemas.microsoft.com/office/drawing/2014/main" id="{CC59C4A3-CD4D-38DF-0BD4-47661932DE1F}"/>
               </a:ext>
             </a:extLst>
           </p:cNvPr>
@@ -1185,7 +1185,7 @@
           <a:bodyPr/>
           <a:lstStyle/>
           <a:p>
-            <a:fld id="{DC335184-E2CA-43FD-AB36-3EC35B67F87B}" type="slidenum">
+            <a:fld id="{02AD5357-B92B-4DA0-B12E-302A6C714C1B}" type="slidenum">
               <a:rPr lang="zh-CN" altLang="en-US" smtClean="0"/>
               <a:t>‹#›</a:t>
             </a:fld>
@@ -1196,7 +1196,7 @@
     </p:spTree>
     <p:extLst>
       <p:ext uri="{BB962C8B-B14F-4D97-AF65-F5344CB8AC3E}">
-        <p14:creationId xmlns:p14="http://schemas.microsoft.com/office/powerpoint/2010/main" val="2964824007"/>
+        <p14:creationId xmlns:p14="http://schemas.microsoft.com/office/powerpoint/2010/main" val="3111562414"/>
       </p:ext>
     </p:extLst>
   </p:cSld>
@@ -1228,7 +1228,7 @@
           <p:cNvPr id="2" name="标题 1">
             <a:extLst>
               <a:ext uri="{FF2B5EF4-FFF2-40B4-BE49-F238E27FC236}">
-                <a16:creationId xmlns:a16="http://schemas.microsoft.com/office/drawing/2014/main" id="{D6E1DC2E-7B77-537C-0E0A-08222F9CC846}"/>
+                <a16:creationId xmlns:a16="http://schemas.microsoft.com/office/drawing/2014/main" id="{71096E5A-AEB6-A800-2A54-BE111D86E841}"/>
               </a:ext>
             </a:extLst>
           </p:cNvPr>
@@ -1256,7 +1256,7 @@
           <p:cNvPr id="3" name="内容占位符 2">
             <a:extLst>
               <a:ext uri="{FF2B5EF4-FFF2-40B4-BE49-F238E27FC236}">
-                <a16:creationId xmlns:a16="http://schemas.microsoft.com/office/drawing/2014/main" id="{B646E14C-56D9-0B32-F66F-E5259FC77339}"/>
+                <a16:creationId xmlns:a16="http://schemas.microsoft.com/office/drawing/2014/main" id="{862237F9-CFF7-076A-0786-DA3F1BDDA818}"/>
               </a:ext>
             </a:extLst>
           </p:cNvPr>
@@ -1318,7 +1318,7 @@
           <p:cNvPr id="4" name="内容占位符 3">
             <a:extLst>
               <a:ext uri="{FF2B5EF4-FFF2-40B4-BE49-F238E27FC236}">
-                <a16:creationId xmlns:a16="http://schemas.microsoft.com/office/drawing/2014/main" id="{C21FFCEA-71F7-8098-705B-1F8275D22226}"/>
+                <a16:creationId xmlns:a16="http://schemas.microsoft.com/office/drawing/2014/main" id="{A2B0F33D-23FA-B3E1-3FE0-7FE0D9B75243}"/>
               </a:ext>
             </a:extLst>
           </p:cNvPr>
@@ -1380,7 +1380,7 @@
           <p:cNvPr id="5" name="日期占位符 4">
             <a:extLst>
               <a:ext uri="{FF2B5EF4-FFF2-40B4-BE49-F238E27FC236}">
-                <a16:creationId xmlns:a16="http://schemas.microsoft.com/office/drawing/2014/main" id="{99F0E841-9F13-01EE-6D4C-08A994939E55}"/>
+                <a16:creationId xmlns:a16="http://schemas.microsoft.com/office/drawing/2014/main" id="{5E6DA74E-A920-1731-0DDA-93F220DCACD2}"/>
               </a:ext>
             </a:extLst>
           </p:cNvPr>
@@ -1396,7 +1396,7 @@
           <a:bodyPr/>
           <a:lstStyle/>
           <a:p>
-            <a:fld id="{98ED85B5-6F9A-4259-8E37-A971875B631A}" type="datetimeFigureOut">
+            <a:fld id="{3A372C1F-E061-4E5D-8A41-EFD2D5D86F17}" type="datetimeFigureOut">
               <a:rPr lang="zh-CN" altLang="en-US" smtClean="0"/>
               <a:t>2024/3/10</a:t>
             </a:fld>
@@ -1409,7 +1409,7 @@
           <p:cNvPr id="6" name="页脚占位符 5">
             <a:extLst>
               <a:ext uri="{FF2B5EF4-FFF2-40B4-BE49-F238E27FC236}">
-                <a16:creationId xmlns:a16="http://schemas.microsoft.com/office/drawing/2014/main" id="{B6F32028-A538-0B6B-8E71-882BBE7C0257}"/>
+                <a16:creationId xmlns:a16="http://schemas.microsoft.com/office/drawing/2014/main" id="{80CF6AA6-9BB0-C55A-C679-D789436DFA8E}"/>
               </a:ext>
             </a:extLst>
           </p:cNvPr>
@@ -1434,7 +1434,7 @@
           <p:cNvPr id="7" name="灯片编号占位符 6">
             <a:extLst>
               <a:ext uri="{FF2B5EF4-FFF2-40B4-BE49-F238E27FC236}">
-                <a16:creationId xmlns:a16="http://schemas.microsoft.com/office/drawing/2014/main" id="{11D2E142-029C-80CA-817C-45CA9FE2244C}"/>
+                <a16:creationId xmlns:a16="http://schemas.microsoft.com/office/drawing/2014/main" id="{AC1FD011-F5BB-4DFF-1833-4ECA8E15F036}"/>
               </a:ext>
             </a:extLst>
           </p:cNvPr>
@@ -1450,7 +1450,7 @@
           <a:bodyPr/>
           <a:lstStyle/>
           <a:p>
-            <a:fld id="{DC335184-E2CA-43FD-AB36-3EC35B67F87B}" type="slidenum">
+            <a:fld id="{02AD5357-B92B-4DA0-B12E-302A6C714C1B}" type="slidenum">
               <a:rPr lang="zh-CN" altLang="en-US" smtClean="0"/>
               <a:t>‹#›</a:t>
             </a:fld>
@@ -1461,7 +1461,7 @@
     </p:spTree>
     <p:extLst>
       <p:ext uri="{BB962C8B-B14F-4D97-AF65-F5344CB8AC3E}">
-        <p14:creationId xmlns:p14="http://schemas.microsoft.com/office/powerpoint/2010/main" val="1906015997"/>
+        <p14:creationId xmlns:p14="http://schemas.microsoft.com/office/powerpoint/2010/main" val="3460103681"/>
       </p:ext>
     </p:extLst>
   </p:cSld>
@@ -1493,7 +1493,7 @@
           <p:cNvPr id="2" name="标题 1">
             <a:extLst>
               <a:ext uri="{FF2B5EF4-FFF2-40B4-BE49-F238E27FC236}">
-                <a16:creationId xmlns:a16="http://schemas.microsoft.com/office/drawing/2014/main" id="{66010C5B-BED9-0E41-BF9B-FE5F97D272DA}"/>
+                <a16:creationId xmlns:a16="http://schemas.microsoft.com/office/drawing/2014/main" id="{99E31B31-D370-0813-A6C7-9B034A6F4B6B}"/>
               </a:ext>
             </a:extLst>
           </p:cNvPr>
@@ -1526,7 +1526,7 @@
           <p:cNvPr id="3" name="文本占位符 2">
             <a:extLst>
               <a:ext uri="{FF2B5EF4-FFF2-40B4-BE49-F238E27FC236}">
-                <a16:creationId xmlns:a16="http://schemas.microsoft.com/office/drawing/2014/main" id="{1C729005-F37B-37C2-8FC2-8B21FDA1DB6B}"/>
+                <a16:creationId xmlns:a16="http://schemas.microsoft.com/office/drawing/2014/main" id="{7A05F952-D182-7BC4-B94D-8084F9909FC9}"/>
               </a:ext>
             </a:extLst>
           </p:cNvPr>
@@ -1597,7 +1597,7 @@
           <p:cNvPr id="4" name="内容占位符 3">
             <a:extLst>
               <a:ext uri="{FF2B5EF4-FFF2-40B4-BE49-F238E27FC236}">
-                <a16:creationId xmlns:a16="http://schemas.microsoft.com/office/drawing/2014/main" id="{80482DD8-4F74-AA1B-6F9A-510849F3D4DA}"/>
+                <a16:creationId xmlns:a16="http://schemas.microsoft.com/office/drawing/2014/main" id="{43017987-BE65-8923-9C41-9591C9E0D224}"/>
               </a:ext>
             </a:extLst>
           </p:cNvPr>
@@ -1659,7 +1659,7 @@
           <p:cNvPr id="5" name="文本占位符 4">
             <a:extLst>
               <a:ext uri="{FF2B5EF4-FFF2-40B4-BE49-F238E27FC236}">
-                <a16:creationId xmlns:a16="http://schemas.microsoft.com/office/drawing/2014/main" id="{19D88D8A-8CE8-E2DA-A64E-C79F14CE2A76}"/>
+                <a16:creationId xmlns:a16="http://schemas.microsoft.com/office/drawing/2014/main" id="{7199206E-30F7-8984-6C71-6EF18BF80402}"/>
               </a:ext>
             </a:extLst>
           </p:cNvPr>
@@ -1730,7 +1730,7 @@
           <p:cNvPr id="6" name="内容占位符 5">
             <a:extLst>
               <a:ext uri="{FF2B5EF4-FFF2-40B4-BE49-F238E27FC236}">
-                <a16:creationId xmlns:a16="http://schemas.microsoft.com/office/drawing/2014/main" id="{7C944583-96E4-A113-20E3-A58DA2BE4BC0}"/>
+                <a16:creationId xmlns:a16="http://schemas.microsoft.com/office/drawing/2014/main" id="{EE2E62D1-3EB9-3CBC-3690-D2CB34C265B4}"/>
               </a:ext>
             </a:extLst>
           </p:cNvPr>
@@ -1792,7 +1792,7 @@
           <p:cNvPr id="7" name="日期占位符 6">
             <a:extLst>
               <a:ext uri="{FF2B5EF4-FFF2-40B4-BE49-F238E27FC236}">
-                <a16:creationId xmlns:a16="http://schemas.microsoft.com/office/drawing/2014/main" id="{2AAA1A08-929A-ACF6-9E44-E853712AD048}"/>
+                <a16:creationId xmlns:a16="http://schemas.microsoft.com/office/drawing/2014/main" id="{7CCFA5BA-AEF6-6AF9-F6B1-AA7B821A2E86}"/>
               </a:ext>
             </a:extLst>
           </p:cNvPr>
@@ -1808,7 +1808,7 @@
           <a:bodyPr/>
           <a:lstStyle/>
           <a:p>
-            <a:fld id="{98ED85B5-6F9A-4259-8E37-A971875B631A}" type="datetimeFigureOut">
+            <a:fld id="{3A372C1F-E061-4E5D-8A41-EFD2D5D86F17}" type="datetimeFigureOut">
               <a:rPr lang="zh-CN" altLang="en-US" smtClean="0"/>
               <a:t>2024/3/10</a:t>
             </a:fld>
@@ -1821,7 +1821,7 @@
           <p:cNvPr id="8" name="页脚占位符 7">
             <a:extLst>
               <a:ext uri="{FF2B5EF4-FFF2-40B4-BE49-F238E27FC236}">
-                <a16:creationId xmlns:a16="http://schemas.microsoft.com/office/drawing/2014/main" id="{141F34FA-C197-D650-AC5A-66CAA87AF5F0}"/>
+                <a16:creationId xmlns:a16="http://schemas.microsoft.com/office/drawing/2014/main" id="{927FE03D-56DE-2BD4-C81F-FB2DB67E892A}"/>
               </a:ext>
             </a:extLst>
           </p:cNvPr>
@@ -1846,7 +1846,7 @@
           <p:cNvPr id="9" name="灯片编号占位符 8">
             <a:extLst>
               <a:ext uri="{FF2B5EF4-FFF2-40B4-BE49-F238E27FC236}">
-                <a16:creationId xmlns:a16="http://schemas.microsoft.com/office/drawing/2014/main" id="{474CF6F8-CAD4-5194-E6C8-E931E29088E9}"/>
+                <a16:creationId xmlns:a16="http://schemas.microsoft.com/office/drawing/2014/main" id="{CA109D1C-7E12-C417-976D-B2829381D158}"/>
               </a:ext>
             </a:extLst>
           </p:cNvPr>
@@ -1862,7 +1862,7 @@
           <a:bodyPr/>
           <a:lstStyle/>
           <a:p>
-            <a:fld id="{DC335184-E2CA-43FD-AB36-3EC35B67F87B}" type="slidenum">
+            <a:fld id="{02AD5357-B92B-4DA0-B12E-302A6C714C1B}" type="slidenum">
               <a:rPr lang="zh-CN" altLang="en-US" smtClean="0"/>
               <a:t>‹#›</a:t>
             </a:fld>
@@ -1873,7 +1873,7 @@
     </p:spTree>
     <p:extLst>
       <p:ext uri="{BB962C8B-B14F-4D97-AF65-F5344CB8AC3E}">
-        <p14:creationId xmlns:p14="http://schemas.microsoft.com/office/powerpoint/2010/main" val="3270766818"/>
+        <p14:creationId xmlns:p14="http://schemas.microsoft.com/office/powerpoint/2010/main" val="1476927774"/>
       </p:ext>
     </p:extLst>
   </p:cSld>
@@ -1905,7 +1905,7 @@
           <p:cNvPr id="2" name="标题 1">
             <a:extLst>
               <a:ext uri="{FF2B5EF4-FFF2-40B4-BE49-F238E27FC236}">
-                <a16:creationId xmlns:a16="http://schemas.microsoft.com/office/drawing/2014/main" id="{C47ECBB5-2836-0210-E2FB-8F73D8C62261}"/>
+                <a16:creationId xmlns:a16="http://schemas.microsoft.com/office/drawing/2014/main" id="{58ECDAFE-C2C6-FB28-8232-06EB52BB18EF}"/>
               </a:ext>
             </a:extLst>
           </p:cNvPr>
@@ -1933,7 +1933,7 @@
           <p:cNvPr id="3" name="日期占位符 2">
             <a:extLst>
               <a:ext uri="{FF2B5EF4-FFF2-40B4-BE49-F238E27FC236}">
-                <a16:creationId xmlns:a16="http://schemas.microsoft.com/office/drawing/2014/main" id="{9A1360E5-5049-97A5-6012-EDA7B9D5440F}"/>
+                <a16:creationId xmlns:a16="http://schemas.microsoft.com/office/drawing/2014/main" id="{89005DDF-4BFC-458F-A912-AD00AEA64A04}"/>
               </a:ext>
             </a:extLst>
           </p:cNvPr>
@@ -1949,7 +1949,7 @@
           <a:bodyPr/>
           <a:lstStyle/>
           <a:p>
-            <a:fld id="{98ED85B5-6F9A-4259-8E37-A971875B631A}" type="datetimeFigureOut">
+            <a:fld id="{3A372C1F-E061-4E5D-8A41-EFD2D5D86F17}" type="datetimeFigureOut">
               <a:rPr lang="zh-CN" altLang="en-US" smtClean="0"/>
               <a:t>2024/3/10</a:t>
             </a:fld>
@@ -1962,7 +1962,7 @@
           <p:cNvPr id="4" name="页脚占位符 3">
             <a:extLst>
               <a:ext uri="{FF2B5EF4-FFF2-40B4-BE49-F238E27FC236}">
-                <a16:creationId xmlns:a16="http://schemas.microsoft.com/office/drawing/2014/main" id="{2579B32C-652E-B43C-81BE-A2A74EBF1CA4}"/>
+                <a16:creationId xmlns:a16="http://schemas.microsoft.com/office/drawing/2014/main" id="{ACAEFE94-330C-5668-2F98-C9FDE0E534D2}"/>
               </a:ext>
             </a:extLst>
           </p:cNvPr>
@@ -1987,7 +1987,7 @@
           <p:cNvPr id="5" name="灯片编号占位符 4">
             <a:extLst>
               <a:ext uri="{FF2B5EF4-FFF2-40B4-BE49-F238E27FC236}">
-                <a16:creationId xmlns:a16="http://schemas.microsoft.com/office/drawing/2014/main" id="{A8A38E1A-6AD5-1816-4E84-68F3B85DCBF1}"/>
+                <a16:creationId xmlns:a16="http://schemas.microsoft.com/office/drawing/2014/main" id="{6CC55F37-AF28-E1F5-ED38-0DC08D42AEB9}"/>
               </a:ext>
             </a:extLst>
           </p:cNvPr>
@@ -2003,7 +2003,7 @@
           <a:bodyPr/>
           <a:lstStyle/>
           <a:p>
-            <a:fld id="{DC335184-E2CA-43FD-AB36-3EC35B67F87B}" type="slidenum">
+            <a:fld id="{02AD5357-B92B-4DA0-B12E-302A6C714C1B}" type="slidenum">
               <a:rPr lang="zh-CN" altLang="en-US" smtClean="0"/>
               <a:t>‹#›</a:t>
             </a:fld>
@@ -2014,7 +2014,7 @@
     </p:spTree>
     <p:extLst>
       <p:ext uri="{BB962C8B-B14F-4D97-AF65-F5344CB8AC3E}">
-        <p14:creationId xmlns:p14="http://schemas.microsoft.com/office/powerpoint/2010/main" val="1678743803"/>
+        <p14:creationId xmlns:p14="http://schemas.microsoft.com/office/powerpoint/2010/main" val="542807262"/>
       </p:ext>
     </p:extLst>
   </p:cSld>
@@ -2046,7 +2046,7 @@
           <p:cNvPr id="2" name="日期占位符 1">
             <a:extLst>
               <a:ext uri="{FF2B5EF4-FFF2-40B4-BE49-F238E27FC236}">
-                <a16:creationId xmlns:a16="http://schemas.microsoft.com/office/drawing/2014/main" id="{39F3E69C-A4E7-3125-93AD-C362AAF1285B}"/>
+                <a16:creationId xmlns:a16="http://schemas.microsoft.com/office/drawing/2014/main" id="{B493B63F-24E4-49F8-1D6E-7ED65DC8EEFC}"/>
               </a:ext>
             </a:extLst>
           </p:cNvPr>
@@ -2062,7 +2062,7 @@
           <a:bodyPr/>
           <a:lstStyle/>
           <a:p>
-            <a:fld id="{98ED85B5-6F9A-4259-8E37-A971875B631A}" type="datetimeFigureOut">
+            <a:fld id="{3A372C1F-E061-4E5D-8A41-EFD2D5D86F17}" type="datetimeFigureOut">
               <a:rPr lang="zh-CN" altLang="en-US" smtClean="0"/>
               <a:t>2024/3/10</a:t>
             </a:fld>
@@ -2075,7 +2075,7 @@
           <p:cNvPr id="3" name="页脚占位符 2">
             <a:extLst>
               <a:ext uri="{FF2B5EF4-FFF2-40B4-BE49-F238E27FC236}">
-                <a16:creationId xmlns:a16="http://schemas.microsoft.com/office/drawing/2014/main" id="{DDDBA212-7E97-8275-6C2C-040A57E9DE1A}"/>
+                <a16:creationId xmlns:a16="http://schemas.microsoft.com/office/drawing/2014/main" id="{3A2FF9AE-CCAD-F2DA-7322-3FE9CDF81BEA}"/>
               </a:ext>
             </a:extLst>
           </p:cNvPr>
@@ -2100,7 +2100,7 @@
           <p:cNvPr id="4" name="灯片编号占位符 3">
             <a:extLst>
               <a:ext uri="{FF2B5EF4-FFF2-40B4-BE49-F238E27FC236}">
-                <a16:creationId xmlns:a16="http://schemas.microsoft.com/office/drawing/2014/main" id="{744905B3-BFDC-554A-CAC4-7E72396813DD}"/>
+                <a16:creationId xmlns:a16="http://schemas.microsoft.com/office/drawing/2014/main" id="{0C1A7EE4-8969-D678-3B72-7612163A37B8}"/>
               </a:ext>
             </a:extLst>
           </p:cNvPr>
@@ -2116,7 +2116,7 @@
           <a:bodyPr/>
           <a:lstStyle/>
           <a:p>
-            <a:fld id="{DC335184-E2CA-43FD-AB36-3EC35B67F87B}" type="slidenum">
+            <a:fld id="{02AD5357-B92B-4DA0-B12E-302A6C714C1B}" type="slidenum">
               <a:rPr lang="zh-CN" altLang="en-US" smtClean="0"/>
               <a:t>‹#›</a:t>
             </a:fld>
@@ -2127,7 +2127,7 @@
     </p:spTree>
     <p:extLst>
       <p:ext uri="{BB962C8B-B14F-4D97-AF65-F5344CB8AC3E}">
-        <p14:creationId xmlns:p14="http://schemas.microsoft.com/office/powerpoint/2010/main" val="3926479739"/>
+        <p14:creationId xmlns:p14="http://schemas.microsoft.com/office/powerpoint/2010/main" val="3866567731"/>
       </p:ext>
     </p:extLst>
   </p:cSld>
@@ -2159,7 +2159,7 @@
           <p:cNvPr id="2" name="标题 1">
             <a:extLst>
               <a:ext uri="{FF2B5EF4-FFF2-40B4-BE49-F238E27FC236}">
-                <a16:creationId xmlns:a16="http://schemas.microsoft.com/office/drawing/2014/main" id="{978E36BF-85DD-3D42-47F7-4D08291DE083}"/>
+                <a16:creationId xmlns:a16="http://schemas.microsoft.com/office/drawing/2014/main" id="{C1B1FD18-CC75-EA97-11EF-C3341A21607B}"/>
               </a:ext>
             </a:extLst>
           </p:cNvPr>
@@ -2196,7 +2196,7 @@
           <p:cNvPr id="3" name="内容占位符 2">
             <a:extLst>
               <a:ext uri="{FF2B5EF4-FFF2-40B4-BE49-F238E27FC236}">
-                <a16:creationId xmlns:a16="http://schemas.microsoft.com/office/drawing/2014/main" id="{E2F58E61-CBDB-3BF4-A83D-9F86BE41D58F}"/>
+                <a16:creationId xmlns:a16="http://schemas.microsoft.com/office/drawing/2014/main" id="{582FCCC1-57C3-A67F-18A8-E5EFECA50167}"/>
               </a:ext>
             </a:extLst>
           </p:cNvPr>
@@ -2286,7 +2286,7 @@
           <p:cNvPr id="4" name="文本占位符 3">
             <a:extLst>
               <a:ext uri="{FF2B5EF4-FFF2-40B4-BE49-F238E27FC236}">
-                <a16:creationId xmlns:a16="http://schemas.microsoft.com/office/drawing/2014/main" id="{540181DE-1184-3A5D-C925-3F8A321564CE}"/>
+                <a16:creationId xmlns:a16="http://schemas.microsoft.com/office/drawing/2014/main" id="{45A8BEF2-2C85-9DFF-B676-DAAC5AD21133}"/>
               </a:ext>
             </a:extLst>
           </p:cNvPr>
@@ -2357,7 +2357,7 @@
           <p:cNvPr id="5" name="日期占位符 4">
             <a:extLst>
               <a:ext uri="{FF2B5EF4-FFF2-40B4-BE49-F238E27FC236}">
-                <a16:creationId xmlns:a16="http://schemas.microsoft.com/office/drawing/2014/main" id="{B0ECE777-9D92-0AF5-4E51-11B05E437568}"/>
+                <a16:creationId xmlns:a16="http://schemas.microsoft.com/office/drawing/2014/main" id="{AF0C3481-E9BC-CBFD-4824-912775CDF8B5}"/>
               </a:ext>
             </a:extLst>
           </p:cNvPr>
@@ -2373,7 +2373,7 @@
           <a:bodyPr/>
           <a:lstStyle/>
           <a:p>
-            <a:fld id="{98ED85B5-6F9A-4259-8E37-A971875B631A}" type="datetimeFigureOut">
+            <a:fld id="{3A372C1F-E061-4E5D-8A41-EFD2D5D86F17}" type="datetimeFigureOut">
               <a:rPr lang="zh-CN" altLang="en-US" smtClean="0"/>
               <a:t>2024/3/10</a:t>
             </a:fld>
@@ -2386,7 +2386,7 @@
           <p:cNvPr id="6" name="页脚占位符 5">
             <a:extLst>
               <a:ext uri="{FF2B5EF4-FFF2-40B4-BE49-F238E27FC236}">
-                <a16:creationId xmlns:a16="http://schemas.microsoft.com/office/drawing/2014/main" id="{49618840-0E42-617C-919B-2FBFCC9AC002}"/>
+                <a16:creationId xmlns:a16="http://schemas.microsoft.com/office/drawing/2014/main" id="{A6594D39-B317-5BB5-2835-0C29F13E7F47}"/>
               </a:ext>
             </a:extLst>
           </p:cNvPr>
@@ -2411,7 +2411,7 @@
           <p:cNvPr id="7" name="灯片编号占位符 6">
             <a:extLst>
               <a:ext uri="{FF2B5EF4-FFF2-40B4-BE49-F238E27FC236}">
-                <a16:creationId xmlns:a16="http://schemas.microsoft.com/office/drawing/2014/main" id="{924C3D34-8123-73D2-9726-11306B809E3A}"/>
+                <a16:creationId xmlns:a16="http://schemas.microsoft.com/office/drawing/2014/main" id="{F5AB9890-6CEA-31B3-C771-97D9B4FA4D40}"/>
               </a:ext>
             </a:extLst>
           </p:cNvPr>
@@ -2427,7 +2427,7 @@
           <a:bodyPr/>
           <a:lstStyle/>
           <a:p>
-            <a:fld id="{DC335184-E2CA-43FD-AB36-3EC35B67F87B}" type="slidenum">
+            <a:fld id="{02AD5357-B92B-4DA0-B12E-302A6C714C1B}" type="slidenum">
               <a:rPr lang="zh-CN" altLang="en-US" smtClean="0"/>
               <a:t>‹#›</a:t>
             </a:fld>
@@ -2438,7 +2438,7 @@
     </p:spTree>
     <p:extLst>
       <p:ext uri="{BB962C8B-B14F-4D97-AF65-F5344CB8AC3E}">
-        <p14:creationId xmlns:p14="http://schemas.microsoft.com/office/powerpoint/2010/main" val="319848657"/>
+        <p14:creationId xmlns:p14="http://schemas.microsoft.com/office/powerpoint/2010/main" val="3249446980"/>
       </p:ext>
     </p:extLst>
   </p:cSld>
@@ -2470,7 +2470,7 @@
           <p:cNvPr id="2" name="标题 1">
             <a:extLst>
               <a:ext uri="{FF2B5EF4-FFF2-40B4-BE49-F238E27FC236}">
-                <a16:creationId xmlns:a16="http://schemas.microsoft.com/office/drawing/2014/main" id="{4AAE1FC1-526C-E54C-2EF2-6446BEAC9703}"/>
+                <a16:creationId xmlns:a16="http://schemas.microsoft.com/office/drawing/2014/main" id="{606E54BA-141B-97A7-D03F-8AF2BFD2B39D}"/>
               </a:ext>
             </a:extLst>
           </p:cNvPr>
@@ -2507,7 +2507,7 @@
           <p:cNvPr id="3" name="图片占位符 2">
             <a:extLst>
               <a:ext uri="{FF2B5EF4-FFF2-40B4-BE49-F238E27FC236}">
-                <a16:creationId xmlns:a16="http://schemas.microsoft.com/office/drawing/2014/main" id="{3D45D485-9BEE-F572-8893-E8086705AA01}"/>
+                <a16:creationId xmlns:a16="http://schemas.microsoft.com/office/drawing/2014/main" id="{8BA66DC7-CB9E-4A4B-8870-CB7CAC35FEE1}"/>
               </a:ext>
             </a:extLst>
           </p:cNvPr>
@@ -2574,7 +2574,7 @@
           <p:cNvPr id="4" name="文本占位符 3">
             <a:extLst>
               <a:ext uri="{FF2B5EF4-FFF2-40B4-BE49-F238E27FC236}">
-                <a16:creationId xmlns:a16="http://schemas.microsoft.com/office/drawing/2014/main" id="{CC2744B2-AFBB-F335-D2FB-05D419CD272D}"/>
+                <a16:creationId xmlns:a16="http://schemas.microsoft.com/office/drawing/2014/main" id="{75DA7E14-A493-D5C6-3F35-2F1A9DB73DEA}"/>
               </a:ext>
             </a:extLst>
           </p:cNvPr>
@@ -2645,7 +2645,7 @@
           <p:cNvPr id="5" name="日期占位符 4">
             <a:extLst>
               <a:ext uri="{FF2B5EF4-FFF2-40B4-BE49-F238E27FC236}">
-                <a16:creationId xmlns:a16="http://schemas.microsoft.com/office/drawing/2014/main" id="{C800D1D1-777A-F4C7-52D1-D63568B738A0}"/>
+                <a16:creationId xmlns:a16="http://schemas.microsoft.com/office/drawing/2014/main" id="{DCCC0186-1F5A-0063-8D41-1CCDEA4B9C79}"/>
               </a:ext>
             </a:extLst>
           </p:cNvPr>
@@ -2661,7 +2661,7 @@
           <a:bodyPr/>
           <a:lstStyle/>
           <a:p>
-            <a:fld id="{98ED85B5-6F9A-4259-8E37-A971875B631A}" type="datetimeFigureOut">
+            <a:fld id="{3A372C1F-E061-4E5D-8A41-EFD2D5D86F17}" type="datetimeFigureOut">
               <a:rPr lang="zh-CN" altLang="en-US" smtClean="0"/>
               <a:t>2024/3/10</a:t>
             </a:fld>
@@ -2674,7 +2674,7 @@
           <p:cNvPr id="6" name="页脚占位符 5">
             <a:extLst>
               <a:ext uri="{FF2B5EF4-FFF2-40B4-BE49-F238E27FC236}">
-                <a16:creationId xmlns:a16="http://schemas.microsoft.com/office/drawing/2014/main" id="{97C39C13-5DA4-BC05-A4C8-FB372BAE74C3}"/>
+                <a16:creationId xmlns:a16="http://schemas.microsoft.com/office/drawing/2014/main" id="{5A2D8EE8-EF6D-46E1-2424-C6A9FC9C74D0}"/>
               </a:ext>
             </a:extLst>
           </p:cNvPr>
@@ -2699,7 +2699,7 @@
           <p:cNvPr id="7" name="灯片编号占位符 6">
             <a:extLst>
               <a:ext uri="{FF2B5EF4-FFF2-40B4-BE49-F238E27FC236}">
-                <a16:creationId xmlns:a16="http://schemas.microsoft.com/office/drawing/2014/main" id="{7897D865-987A-01FB-FEE1-B38B0BF6110F}"/>
+                <a16:creationId xmlns:a16="http://schemas.microsoft.com/office/drawing/2014/main" id="{59775370-346C-419E-C529-B2B54B7F2714}"/>
               </a:ext>
             </a:extLst>
           </p:cNvPr>
@@ -2715,7 +2715,7 @@
           <a:bodyPr/>
           <a:lstStyle/>
           <a:p>
-            <a:fld id="{DC335184-E2CA-43FD-AB36-3EC35B67F87B}" type="slidenum">
+            <a:fld id="{02AD5357-B92B-4DA0-B12E-302A6C714C1B}" type="slidenum">
               <a:rPr lang="zh-CN" altLang="en-US" smtClean="0"/>
               <a:t>‹#›</a:t>
             </a:fld>
@@ -2726,7 +2726,7 @@
     </p:spTree>
     <p:extLst>
       <p:ext uri="{BB962C8B-B14F-4D97-AF65-F5344CB8AC3E}">
-        <p14:creationId xmlns:p14="http://schemas.microsoft.com/office/powerpoint/2010/main" val="3777449113"/>
+        <p14:creationId xmlns:p14="http://schemas.microsoft.com/office/powerpoint/2010/main" val="2318878721"/>
       </p:ext>
     </p:extLst>
   </p:cSld>
@@ -2763,7 +2763,7 @@
           <p:cNvPr id="2" name="标题占位符 1">
             <a:extLst>
               <a:ext uri="{FF2B5EF4-FFF2-40B4-BE49-F238E27FC236}">
-                <a16:creationId xmlns:a16="http://schemas.microsoft.com/office/drawing/2014/main" id="{F0DE0F7A-A5DB-2B1F-3420-213F70D0B789}"/>
+                <a16:creationId xmlns:a16="http://schemas.microsoft.com/office/drawing/2014/main" id="{BCBD10D9-4584-7DE2-1C37-C15B0F947E62}"/>
               </a:ext>
             </a:extLst>
           </p:cNvPr>
@@ -2801,7 +2801,7 @@
           <p:cNvPr id="3" name="文本占位符 2">
             <a:extLst>
               <a:ext uri="{FF2B5EF4-FFF2-40B4-BE49-F238E27FC236}">
-                <a16:creationId xmlns:a16="http://schemas.microsoft.com/office/drawing/2014/main" id="{99740968-288F-724F-FF77-51A27B41BCCA}"/>
+                <a16:creationId xmlns:a16="http://schemas.microsoft.com/office/drawing/2014/main" id="{33CEDC41-EA97-228A-3597-46B8A921DBAD}"/>
               </a:ext>
             </a:extLst>
           </p:cNvPr>
@@ -2868,7 +2868,7 @@
           <p:cNvPr id="4" name="日期占位符 3">
             <a:extLst>
               <a:ext uri="{FF2B5EF4-FFF2-40B4-BE49-F238E27FC236}">
-                <a16:creationId xmlns:a16="http://schemas.microsoft.com/office/drawing/2014/main" id="{2C408B5B-13B5-F89F-529A-7615B834D125}"/>
+                <a16:creationId xmlns:a16="http://schemas.microsoft.com/office/drawing/2014/main" id="{932FC68C-6119-223B-F7F6-3C251F241569}"/>
               </a:ext>
             </a:extLst>
           </p:cNvPr>
@@ -2902,7 +2902,7 @@
             </a:lvl1pPr>
           </a:lstStyle>
           <a:p>
-            <a:fld id="{98ED85B5-6F9A-4259-8E37-A971875B631A}" type="datetimeFigureOut">
+            <a:fld id="{3A372C1F-E061-4E5D-8A41-EFD2D5D86F17}" type="datetimeFigureOut">
               <a:rPr lang="zh-CN" altLang="en-US" smtClean="0"/>
               <a:t>2024/3/10</a:t>
             </a:fld>
@@ -2915,7 +2915,7 @@
           <p:cNvPr id="5" name="页脚占位符 4">
             <a:extLst>
               <a:ext uri="{FF2B5EF4-FFF2-40B4-BE49-F238E27FC236}">
-                <a16:creationId xmlns:a16="http://schemas.microsoft.com/office/drawing/2014/main" id="{BA488F34-0BAA-D1BB-20AF-088E3DB86499}"/>
+                <a16:creationId xmlns:a16="http://schemas.microsoft.com/office/drawing/2014/main" id="{AF47A8C7-5671-7366-C673-AB6E2060873C}"/>
               </a:ext>
             </a:extLst>
           </p:cNvPr>
@@ -2958,7 +2958,7 @@
           <p:cNvPr id="6" name="灯片编号占位符 5">
             <a:extLst>
               <a:ext uri="{FF2B5EF4-FFF2-40B4-BE49-F238E27FC236}">
-                <a16:creationId xmlns:a16="http://schemas.microsoft.com/office/drawing/2014/main" id="{4E2F8808-AF2B-BF0B-D62C-84F128B11D7D}"/>
+                <a16:creationId xmlns:a16="http://schemas.microsoft.com/office/drawing/2014/main" id="{D408F57A-C12C-3F3E-B086-C17AF68B03A4}"/>
               </a:ext>
             </a:extLst>
           </p:cNvPr>
@@ -2992,7 +2992,7 @@
             </a:lvl1pPr>
           </a:lstStyle>
           <a:p>
-            <a:fld id="{DC335184-E2CA-43FD-AB36-3EC35B67F87B}" type="slidenum">
+            <a:fld id="{02AD5357-B92B-4DA0-B12E-302A6C714C1B}" type="slidenum">
               <a:rPr lang="zh-CN" altLang="en-US" smtClean="0"/>
               <a:t>‹#›</a:t>
             </a:fld>
@@ -3003,7 +3003,7 @@
     </p:spTree>
     <p:extLst>
       <p:ext uri="{BB962C8B-B14F-4D97-AF65-F5344CB8AC3E}">
-        <p14:creationId xmlns:p14="http://schemas.microsoft.com/office/powerpoint/2010/main" val="504015779"/>
+        <p14:creationId xmlns:p14="http://schemas.microsoft.com/office/powerpoint/2010/main" val="1357763161"/>
       </p:ext>
     </p:extLst>
   </p:cSld>
@@ -3323,7 +3323,7 @@
       </p:grpSpPr>
       <p:pic>
         <p:nvPicPr>
-          <p:cNvPr id="665602" name="Picture 2" descr="649"/>
+          <p:cNvPr id="666626" name="Picture 2" descr="650"/>
           <p:cNvPicPr>
             <a:picLocks noChangeAspect="1" noChangeArrowheads="1"/>
           </p:cNvPicPr>
@@ -3375,158 +3375,11 @@
           </a:extLst>
         </p:spPr>
       </p:pic>
-      <p:pic>
-        <p:nvPicPr>
-          <p:cNvPr id="666627" name="Picture 3" descr="649-2"/>
-          <p:cNvPicPr>
-            <a:picLocks noChangeAspect="1" noChangeArrowheads="1"/>
-          </p:cNvPicPr>
-          <p:nvPr/>
-        </p:nvPicPr>
-        <p:blipFill>
-          <a:blip r:embed="rId3">
-            <a:extLst>
-              <a:ext uri="{28A0092B-C50C-407E-A947-70E740481C1C}">
-                <a14:useLocalDpi xmlns:a14="http://schemas.microsoft.com/office/drawing/2010/main" val="0"/>
-              </a:ext>
-            </a:extLst>
-          </a:blip>
-          <a:srcRect/>
-          <a:stretch>
-            <a:fillRect/>
-          </a:stretch>
-        </p:blipFill>
-        <p:spPr bwMode="auto">
-          <a:xfrm>
-            <a:off x="1524000" y="0"/>
-            <a:ext cx="9144000" cy="6858000"/>
-          </a:xfrm>
-          <a:prstGeom prst="rect">
-            <a:avLst/>
-          </a:prstGeom>
-          <a:noFill/>
-          <a:ln>
-            <a:noFill/>
-          </a:ln>
-          <a:effectLst/>
-          <a:extLst>
-            <a:ext uri="{909E8E84-426E-40DD-AFC4-6F175D3DCCD1}">
-              <a14:hiddenFill xmlns:a14="http://schemas.microsoft.com/office/drawing/2010/main">
-                <a:solidFill>
-                  <a:srgbClr val="FFFFFF"/>
-                </a:solidFill>
-              </a14:hiddenFill>
-            </a:ext>
-            <a:ext uri="{91240B29-F687-4F45-9708-019B960494DF}">
-              <a14:hiddenLine xmlns:a14="http://schemas.microsoft.com/office/drawing/2010/main" w="9525">
-                <a:solidFill>
-                  <a:srgbClr val="000000"/>
-                </a:solidFill>
-                <a:miter lim="800000"/>
-                <a:headEnd/>
-                <a:tailEnd/>
-              </a14:hiddenLine>
-            </a:ext>
-            <a:ext uri="{AF507438-7753-43E0-B8FC-AC1667EBCBE1}">
-              <a14:hiddenEffects xmlns:a14="http://schemas.microsoft.com/office/drawing/2010/main">
-                <a:effectLst>
-                  <a:outerShdw dist="35921" dir="2700000" algn="ctr" rotWithShape="0">
-                    <a:srgbClr val="808080"/>
-                  </a:outerShdw>
-                </a:effectLst>
-              </a14:hiddenEffects>
-            </a:ext>
-          </a:extLst>
-        </p:spPr>
-      </p:pic>
     </p:spTree>
   </p:cSld>
   <p:clrMapOvr>
     <a:masterClrMapping/>
   </p:clrMapOvr>
-  <p:timing>
-    <p:tnLst>
-      <p:par>
-        <p:cTn id="1" dur="indefinite" restart="never" nodeType="tmRoot">
-          <p:childTnLst>
-            <p:seq concurrent="1" nextAc="seek">
-              <p:cTn id="2" dur="indefinite" nodeType="mainSeq">
-                <p:childTnLst>
-                  <p:par>
-                    <p:cTn id="3" fill="hold" nodeType="clickPar">
-                      <p:stCondLst>
-                        <p:cond delay="indefinite"/>
-                      </p:stCondLst>
-                      <p:childTnLst>
-                        <p:par>
-                          <p:cTn id="4" fill="hold" nodeType="withGroup">
-                            <p:stCondLst>
-                              <p:cond delay="0"/>
-                            </p:stCondLst>
-                            <p:childTnLst>
-                              <p:par>
-                                <p:cTn id="5" presetID="10" presetClass="entr" presetSubtype="0" fill="hold" nodeType="clickEffect">
-                                  <p:stCondLst>
-                                    <p:cond delay="0"/>
-                                  </p:stCondLst>
-                                  <p:childTnLst>
-                                    <p:set>
-                                      <p:cBhvr>
-                                        <p:cTn id="6" dur="1" fill="hold">
-                                          <p:stCondLst>
-                                            <p:cond delay="0"/>
-                                          </p:stCondLst>
-                                        </p:cTn>
-                                        <p:tgtEl>
-                                          <p:spTgt spid="666627"/>
-                                        </p:tgtEl>
-                                        <p:attrNameLst>
-                                          <p:attrName>style.visibility</p:attrName>
-                                        </p:attrNameLst>
-                                      </p:cBhvr>
-                                      <p:to>
-                                        <p:strVal val="visible"/>
-                                      </p:to>
-                                    </p:set>
-                                    <p:animEffect transition="in" filter="fade">
-                                      <p:cBhvr>
-                                        <p:cTn id="7" dur="500"/>
-                                        <p:tgtEl>
-                                          <p:spTgt spid="666627"/>
-                                        </p:tgtEl>
-                                      </p:cBhvr>
-                                    </p:animEffect>
-                                  </p:childTnLst>
-                                </p:cTn>
-                              </p:par>
-                            </p:childTnLst>
-                          </p:cTn>
-                        </p:par>
-                      </p:childTnLst>
-                    </p:cTn>
-                  </p:par>
-                </p:childTnLst>
-              </p:cTn>
-              <p:prevCondLst>
-                <p:cond evt="onPrev" delay="0">
-                  <p:tgtEl>
-                    <p:sldTgt/>
-                  </p:tgtEl>
-                </p:cond>
-              </p:prevCondLst>
-              <p:nextCondLst>
-                <p:cond evt="onNext" delay="0">
-                  <p:tgtEl>
-                    <p:sldTgt/>
-                  </p:tgtEl>
-                </p:cond>
-              </p:nextCondLst>
-            </p:seq>
-          </p:childTnLst>
-        </p:cTn>
-      </p:par>
-    </p:tnLst>
-  </p:timing>
 </p:sld>
 </file>
 
